--- a/20180718_就活まとめ/プレゼンテーション1.pptx
+++ b/20180718_就活まとめ/プレゼンテーション1.pptx
@@ -274,7 +274,7 @@
           <a:p>
             <a:fld id="{6E85ED64-ED0B-224E-95C9-E7D893382583}" type="datetimeFigureOut">
               <a:rPr kumimoji="1" lang="ja-JP" altLang="en-US" smtClean="0"/>
-              <a:t>2018/7/23</a:t>
+              <a:t>2018/7/24</a:t>
             </a:fld>
             <a:endParaRPr kumimoji="1" lang="ja-JP" altLang="en-US"/>
           </a:p>
@@ -479,7 +479,7 @@
           <a:p>
             <a:fld id="{6E85ED64-ED0B-224E-95C9-E7D893382583}" type="datetimeFigureOut">
               <a:rPr kumimoji="1" lang="ja-JP" altLang="en-US" smtClean="0"/>
-              <a:t>2018/7/23</a:t>
+              <a:t>2018/7/24</a:t>
             </a:fld>
             <a:endParaRPr kumimoji="1" lang="ja-JP" altLang="en-US"/>
           </a:p>
@@ -694,7 +694,7 @@
           <a:p>
             <a:fld id="{6E85ED64-ED0B-224E-95C9-E7D893382583}" type="datetimeFigureOut">
               <a:rPr kumimoji="1" lang="ja-JP" altLang="en-US" smtClean="0"/>
-              <a:t>2018/7/23</a:t>
+              <a:t>2018/7/24</a:t>
             </a:fld>
             <a:endParaRPr kumimoji="1" lang="ja-JP" altLang="en-US"/>
           </a:p>
@@ -899,7 +899,7 @@
           <a:p>
             <a:fld id="{6E85ED64-ED0B-224E-95C9-E7D893382583}" type="datetimeFigureOut">
               <a:rPr kumimoji="1" lang="ja-JP" altLang="en-US" smtClean="0"/>
-              <a:t>2018/7/23</a:t>
+              <a:t>2018/7/24</a:t>
             </a:fld>
             <a:endParaRPr kumimoji="1" lang="ja-JP" altLang="en-US"/>
           </a:p>
@@ -1209,7 +1209,7 @@
           <a:p>
             <a:fld id="{6E85ED64-ED0B-224E-95C9-E7D893382583}" type="datetimeFigureOut">
               <a:rPr kumimoji="1" lang="ja-JP" altLang="en-US" smtClean="0"/>
-              <a:t>2018/7/23</a:t>
+              <a:t>2018/7/24</a:t>
             </a:fld>
             <a:endParaRPr kumimoji="1" lang="ja-JP" altLang="en-US"/>
           </a:p>
@@ -1488,7 +1488,7 @@
           <a:p>
             <a:fld id="{6E85ED64-ED0B-224E-95C9-E7D893382583}" type="datetimeFigureOut">
               <a:rPr kumimoji="1" lang="ja-JP" altLang="en-US" smtClean="0"/>
-              <a:t>2018/7/23</a:t>
+              <a:t>2018/7/24</a:t>
             </a:fld>
             <a:endParaRPr kumimoji="1" lang="ja-JP" altLang="en-US"/>
           </a:p>
@@ -1984,7 +1984,7 @@
           <a:p>
             <a:fld id="{6E85ED64-ED0B-224E-95C9-E7D893382583}" type="datetimeFigureOut">
               <a:rPr kumimoji="1" lang="ja-JP" altLang="en-US" smtClean="0"/>
-              <a:t>2018/7/23</a:t>
+              <a:t>2018/7/24</a:t>
             </a:fld>
             <a:endParaRPr kumimoji="1" lang="ja-JP" altLang="en-US"/>
           </a:p>
@@ -2125,7 +2125,7 @@
           <a:p>
             <a:fld id="{6E85ED64-ED0B-224E-95C9-E7D893382583}" type="datetimeFigureOut">
               <a:rPr kumimoji="1" lang="ja-JP" altLang="en-US" smtClean="0"/>
-              <a:t>2018/7/23</a:t>
+              <a:t>2018/7/24</a:t>
             </a:fld>
             <a:endParaRPr kumimoji="1" lang="ja-JP" altLang="en-US"/>
           </a:p>
@@ -2238,7 +2238,7 @@
           <a:p>
             <a:fld id="{6E85ED64-ED0B-224E-95C9-E7D893382583}" type="datetimeFigureOut">
               <a:rPr kumimoji="1" lang="ja-JP" altLang="en-US" smtClean="0"/>
-              <a:t>2018/7/23</a:t>
+              <a:t>2018/7/24</a:t>
             </a:fld>
             <a:endParaRPr kumimoji="1" lang="ja-JP" altLang="en-US"/>
           </a:p>
@@ -2591,7 +2591,7 @@
           <a:p>
             <a:fld id="{6E85ED64-ED0B-224E-95C9-E7D893382583}" type="datetimeFigureOut">
               <a:rPr kumimoji="1" lang="ja-JP" altLang="en-US" smtClean="0"/>
-              <a:t>2018/7/23</a:t>
+              <a:t>2018/7/24</a:t>
             </a:fld>
             <a:endParaRPr kumimoji="1" lang="ja-JP" altLang="en-US"/>
           </a:p>
@@ -2914,7 +2914,7 @@
           <a:p>
             <a:fld id="{6E85ED64-ED0B-224E-95C9-E7D893382583}" type="datetimeFigureOut">
               <a:rPr kumimoji="1" lang="ja-JP" altLang="en-US" smtClean="0"/>
-              <a:t>2018/7/23</a:t>
+              <a:t>2018/7/24</a:t>
             </a:fld>
             <a:endParaRPr kumimoji="1" lang="ja-JP" altLang="en-US"/>
           </a:p>
@@ -3162,7 +3162,7 @@
           <a:p>
             <a:fld id="{6E85ED64-ED0B-224E-95C9-E7D893382583}" type="datetimeFigureOut">
               <a:rPr kumimoji="1" lang="ja-JP" altLang="en-US" smtClean="0"/>
-              <a:t>2018/7/23</a:t>
+              <a:t>2018/7/24</a:t>
             </a:fld>
             <a:endParaRPr kumimoji="1" lang="ja-JP" altLang="en-US"/>
           </a:p>
@@ -5780,6 +5780,36 @@
           </a:p>
         </p:txBody>
       </p:sp>
+      <p:pic>
+        <p:nvPicPr>
+          <p:cNvPr id="3" name="図 2">
+            <a:extLst>
+              <a:ext uri="{FF2B5EF4-FFF2-40B4-BE49-F238E27FC236}">
+                <a16:creationId xmlns:a16="http://schemas.microsoft.com/office/drawing/2014/main" id="{8F01BA6B-7857-4E48-8B08-DBBD82D53FA8}"/>
+              </a:ext>
+            </a:extLst>
+          </p:cNvPr>
+          <p:cNvPicPr>
+            <a:picLocks noChangeAspect="1"/>
+          </p:cNvPicPr>
+          <p:nvPr/>
+        </p:nvPicPr>
+        <p:blipFill>
+          <a:blip r:embed="rId2"/>
+          <a:stretch>
+            <a:fillRect/>
+          </a:stretch>
+        </p:blipFill>
+        <p:spPr>
+          <a:xfrm>
+            <a:off x="-1351300" y="-1676115"/>
+            <a:ext cx="11214100" cy="3670300"/>
+          </a:xfrm>
+          <a:prstGeom prst="rect">
+            <a:avLst/>
+          </a:prstGeom>
+        </p:spPr>
+      </p:pic>
     </p:spTree>
     <p:extLst>
       <p:ext uri="{BB962C8B-B14F-4D97-AF65-F5344CB8AC3E}">
@@ -6529,10 +6559,13 @@
         <p:spPr>
           <a:xfrm>
             <a:off x="1924694" y="2486367"/>
-            <a:ext cx="6621958" cy="508017"/>
+            <a:ext cx="4965919" cy="508017"/>
           </a:xfrm>
           <a:prstGeom prst="rightArrow">
-            <a:avLst/>
+            <a:avLst>
+              <a:gd name="adj1" fmla="val 50000"/>
+              <a:gd name="adj2" fmla="val 0"/>
+            </a:avLst>
           </a:prstGeom>
           <a:solidFill>
             <a:schemeClr val="accent1">
@@ -7355,8 +7388,155 @@
         </p:nvSpPr>
         <p:spPr>
           <a:xfrm>
-            <a:off x="5880681" y="2480063"/>
+            <a:off x="5880681" y="2487878"/>
             <a:ext cx="1297853" cy="508017"/>
+          </a:xfrm>
+          <a:prstGeom prst="rightArrow">
+            <a:avLst>
+              <a:gd name="adj1" fmla="val 50000"/>
+              <a:gd name="adj2" fmla="val 53586"/>
+            </a:avLst>
+          </a:prstGeom>
+          <a:solidFill>
+            <a:schemeClr val="bg1">
+              <a:lumMod val="75000"/>
+            </a:schemeClr>
+          </a:solidFill>
+          <a:ln>
+            <a:noFill/>
+          </a:ln>
+        </p:spPr>
+        <p:style>
+          <a:lnRef idx="2">
+            <a:schemeClr val="accent1">
+              <a:shade val="50000"/>
+            </a:schemeClr>
+          </a:lnRef>
+          <a:fillRef idx="1">
+            <a:schemeClr val="accent1"/>
+          </a:fillRef>
+          <a:effectRef idx="0">
+            <a:schemeClr val="accent1"/>
+          </a:effectRef>
+          <a:fontRef idx="minor">
+            <a:schemeClr val="lt1"/>
+          </a:fontRef>
+        </p:style>
+        <p:txBody>
+          <a:bodyPr rtlCol="0" anchor="ctr"/>
+          <a:lstStyle/>
+          <a:p>
+            <a:pPr algn="ctr"/>
+            <a:endParaRPr kumimoji="1" lang="ja-JP" altLang="en-US" sz="2400"/>
+          </a:p>
+        </p:txBody>
+      </p:sp>
+      <p:sp>
+        <p:nvSpPr>
+          <p:cNvPr id="35" name="右矢印 34">
+            <a:extLst>
+              <a:ext uri="{FF2B5EF4-FFF2-40B4-BE49-F238E27FC236}">
+                <a16:creationId xmlns:a16="http://schemas.microsoft.com/office/drawing/2014/main" id="{46A8DECA-68BD-A942-B030-FB21D13441A6}"/>
+              </a:ext>
+            </a:extLst>
+          </p:cNvPr>
+          <p:cNvSpPr/>
+          <p:nvPr/>
+        </p:nvSpPr>
+        <p:spPr>
+          <a:xfrm>
+            <a:off x="1925094" y="1871462"/>
+            <a:ext cx="5253440" cy="508017"/>
+          </a:xfrm>
+          <a:prstGeom prst="rightArrow">
+            <a:avLst/>
+          </a:prstGeom>
+          <a:solidFill>
+            <a:schemeClr val="accent1">
+              <a:lumMod val="75000"/>
+            </a:schemeClr>
+          </a:solidFill>
+          <a:ln>
+            <a:noFill/>
+          </a:ln>
+        </p:spPr>
+        <p:style>
+          <a:lnRef idx="2">
+            <a:schemeClr val="accent1">
+              <a:shade val="50000"/>
+            </a:schemeClr>
+          </a:lnRef>
+          <a:fillRef idx="1">
+            <a:schemeClr val="accent1"/>
+          </a:fillRef>
+          <a:effectRef idx="0">
+            <a:schemeClr val="accent1"/>
+          </a:effectRef>
+          <a:fontRef idx="minor">
+            <a:schemeClr val="lt1"/>
+          </a:fontRef>
+        </p:style>
+        <p:txBody>
+          <a:bodyPr rtlCol="0" anchor="ctr"/>
+          <a:lstStyle/>
+          <a:p>
+            <a:pPr algn="ctr"/>
+            <a:endParaRPr kumimoji="1" lang="ja-JP" altLang="en-US" sz="2400"/>
+          </a:p>
+        </p:txBody>
+      </p:sp>
+      <p:sp>
+        <p:nvSpPr>
+          <p:cNvPr id="36" name="テキスト ボックス 35">
+            <a:extLst>
+              <a:ext uri="{FF2B5EF4-FFF2-40B4-BE49-F238E27FC236}">
+                <a16:creationId xmlns:a16="http://schemas.microsoft.com/office/drawing/2014/main" id="{FE341720-CD48-C04A-A34D-9BB46191487D}"/>
+              </a:ext>
+            </a:extLst>
+          </p:cNvPr>
+          <p:cNvSpPr txBox="1"/>
+          <p:nvPr/>
+        </p:nvSpPr>
+        <p:spPr>
+          <a:xfrm>
+            <a:off x="7075137" y="1924053"/>
+            <a:ext cx="942975" cy="369332"/>
+          </a:xfrm>
+          <a:prstGeom prst="rect">
+            <a:avLst/>
+          </a:prstGeom>
+          <a:noFill/>
+        </p:spPr>
+        <p:txBody>
+          <a:bodyPr wrap="square" rtlCol="0">
+            <a:spAutoFit/>
+          </a:bodyPr>
+          <a:lstStyle/>
+          <a:p>
+            <a:pPr algn="ctr"/>
+            <a:r>
+              <a:rPr kumimoji="1" lang="ja-JP" altLang="en-US" dirty="0"/>
+              <a:t>辞退</a:t>
+            </a:r>
+          </a:p>
+        </p:txBody>
+      </p:sp>
+      <p:sp>
+        <p:nvSpPr>
+          <p:cNvPr id="38" name="右矢印 37">
+            <a:extLst>
+              <a:ext uri="{FF2B5EF4-FFF2-40B4-BE49-F238E27FC236}">
+                <a16:creationId xmlns:a16="http://schemas.microsoft.com/office/drawing/2014/main" id="{CD9803F5-E117-B147-85AE-194BD03D1BB7}"/>
+              </a:ext>
+            </a:extLst>
+          </p:cNvPr>
+          <p:cNvSpPr/>
+          <p:nvPr/>
+        </p:nvSpPr>
+        <p:spPr>
+          <a:xfrm>
+            <a:off x="4271920" y="1273768"/>
+            <a:ext cx="1576378" cy="508017"/>
           </a:xfrm>
           <a:prstGeom prst="rightArrow">
             <a:avLst>
@@ -7400,10 +7580,10 @@
       </p:sp>
       <p:sp>
         <p:nvSpPr>
-          <p:cNvPr id="35" name="右矢印 34">
-            <a:extLst>
-              <a:ext uri="{FF2B5EF4-FFF2-40B4-BE49-F238E27FC236}">
-                <a16:creationId xmlns:a16="http://schemas.microsoft.com/office/drawing/2014/main" id="{46A8DECA-68BD-A942-B030-FB21D13441A6}"/>
+          <p:cNvPr id="37" name="右矢印 36">
+            <a:extLst>
+              <a:ext uri="{FF2B5EF4-FFF2-40B4-BE49-F238E27FC236}">
+                <a16:creationId xmlns:a16="http://schemas.microsoft.com/office/drawing/2014/main" id="{CD9803F5-E117-B147-85AE-194BD03D1BB7}"/>
               </a:ext>
             </a:extLst>
           </p:cNvPr>
@@ -7412,98 +7592,8 @@
         </p:nvSpPr>
         <p:spPr>
           <a:xfrm>
-            <a:off x="1925094" y="1871462"/>
-            <a:ext cx="5253440" cy="508017"/>
-          </a:xfrm>
-          <a:prstGeom prst="rightArrow">
-            <a:avLst/>
-          </a:prstGeom>
-          <a:solidFill>
-            <a:schemeClr val="accent1">
-              <a:lumMod val="75000"/>
-            </a:schemeClr>
-          </a:solidFill>
-          <a:ln>
-            <a:noFill/>
-          </a:ln>
-        </p:spPr>
-        <p:style>
-          <a:lnRef idx="2">
-            <a:schemeClr val="accent1">
-              <a:shade val="50000"/>
-            </a:schemeClr>
-          </a:lnRef>
-          <a:fillRef idx="1">
-            <a:schemeClr val="accent1"/>
-          </a:fillRef>
-          <a:effectRef idx="0">
-            <a:schemeClr val="accent1"/>
-          </a:effectRef>
-          <a:fontRef idx="minor">
-            <a:schemeClr val="lt1"/>
-          </a:fontRef>
-        </p:style>
-        <p:txBody>
-          <a:bodyPr rtlCol="0" anchor="ctr"/>
-          <a:lstStyle/>
-          <a:p>
-            <a:pPr algn="ctr"/>
-            <a:endParaRPr kumimoji="1" lang="ja-JP" altLang="en-US" sz="2400"/>
-          </a:p>
-        </p:txBody>
-      </p:sp>
-      <p:sp>
-        <p:nvSpPr>
-          <p:cNvPr id="36" name="テキスト ボックス 35">
-            <a:extLst>
-              <a:ext uri="{FF2B5EF4-FFF2-40B4-BE49-F238E27FC236}">
-                <a16:creationId xmlns:a16="http://schemas.microsoft.com/office/drawing/2014/main" id="{FE341720-CD48-C04A-A34D-9BB46191487D}"/>
-              </a:ext>
-            </a:extLst>
-          </p:cNvPr>
-          <p:cNvSpPr txBox="1"/>
-          <p:nvPr/>
-        </p:nvSpPr>
-        <p:spPr>
-          <a:xfrm>
-            <a:off x="7075137" y="1924053"/>
-            <a:ext cx="942975" cy="369332"/>
-          </a:xfrm>
-          <a:prstGeom prst="rect">
-            <a:avLst/>
-          </a:prstGeom>
-          <a:noFill/>
-        </p:spPr>
-        <p:txBody>
-          <a:bodyPr wrap="square" rtlCol="0">
-            <a:spAutoFit/>
-          </a:bodyPr>
-          <a:lstStyle/>
-          <a:p>
-            <a:pPr algn="ctr"/>
-            <a:r>
-              <a:rPr kumimoji="1" lang="ja-JP" altLang="en-US" dirty="0"/>
-              <a:t>辞退</a:t>
-            </a:r>
-          </a:p>
-        </p:txBody>
-      </p:sp>
-      <p:sp>
-        <p:nvSpPr>
-          <p:cNvPr id="38" name="右矢印 37">
-            <a:extLst>
-              <a:ext uri="{FF2B5EF4-FFF2-40B4-BE49-F238E27FC236}">
-                <a16:creationId xmlns:a16="http://schemas.microsoft.com/office/drawing/2014/main" id="{CD9803F5-E117-B147-85AE-194BD03D1BB7}"/>
-              </a:ext>
-            </a:extLst>
-          </p:cNvPr>
-          <p:cNvSpPr/>
-          <p:nvPr/>
-        </p:nvSpPr>
-        <p:spPr>
-          <a:xfrm>
-            <a:off x="4271920" y="1268456"/>
-            <a:ext cx="1576378" cy="508017"/>
+            <a:off x="3044444" y="1874264"/>
+            <a:ext cx="1181263" cy="508017"/>
           </a:xfrm>
           <a:prstGeom prst="rightArrow">
             <a:avLst>
@@ -7547,7 +7637,7 @@
       </p:sp>
       <p:sp>
         <p:nvSpPr>
-          <p:cNvPr id="37" name="右矢印 36">
+          <p:cNvPr id="39" name="右矢印 38">
             <a:extLst>
               <a:ext uri="{FF2B5EF4-FFF2-40B4-BE49-F238E27FC236}">
                 <a16:creationId xmlns:a16="http://schemas.microsoft.com/office/drawing/2014/main" id="{CD9803F5-E117-B147-85AE-194BD03D1BB7}"/>
@@ -7559,7 +7649,7 @@
         </p:nvSpPr>
         <p:spPr>
           <a:xfrm>
-            <a:off x="3044444" y="1874264"/>
+            <a:off x="3038110" y="4976265"/>
             <a:ext cx="1181263" cy="508017"/>
           </a:xfrm>
           <a:prstGeom prst="rightArrow">
@@ -7604,63 +7694,6 @@
       </p:sp>
       <p:sp>
         <p:nvSpPr>
-          <p:cNvPr id="39" name="右矢印 38">
-            <a:extLst>
-              <a:ext uri="{FF2B5EF4-FFF2-40B4-BE49-F238E27FC236}">
-                <a16:creationId xmlns:a16="http://schemas.microsoft.com/office/drawing/2014/main" id="{CD9803F5-E117-B147-85AE-194BD03D1BB7}"/>
-              </a:ext>
-            </a:extLst>
-          </p:cNvPr>
-          <p:cNvSpPr/>
-          <p:nvPr/>
-        </p:nvSpPr>
-        <p:spPr>
-          <a:xfrm>
-            <a:off x="3038110" y="4976265"/>
-            <a:ext cx="1181263" cy="508017"/>
-          </a:xfrm>
-          <a:prstGeom prst="rightArrow">
-            <a:avLst>
-              <a:gd name="adj1" fmla="val 50000"/>
-              <a:gd name="adj2" fmla="val 0"/>
-            </a:avLst>
-          </a:prstGeom>
-          <a:solidFill>
-            <a:schemeClr val="bg1">
-              <a:lumMod val="75000"/>
-            </a:schemeClr>
-          </a:solidFill>
-          <a:ln>
-            <a:noFill/>
-          </a:ln>
-        </p:spPr>
-        <p:style>
-          <a:lnRef idx="2">
-            <a:schemeClr val="accent1">
-              <a:shade val="50000"/>
-            </a:schemeClr>
-          </a:lnRef>
-          <a:fillRef idx="1">
-            <a:schemeClr val="accent1"/>
-          </a:fillRef>
-          <a:effectRef idx="0">
-            <a:schemeClr val="accent1"/>
-          </a:effectRef>
-          <a:fontRef idx="minor">
-            <a:schemeClr val="lt1"/>
-          </a:fontRef>
-        </p:style>
-        <p:txBody>
-          <a:bodyPr rtlCol="0" anchor="ctr"/>
-          <a:lstStyle/>
-          <a:p>
-            <a:pPr algn="ctr"/>
-            <a:endParaRPr kumimoji="1" lang="ja-JP" altLang="en-US" sz="2400"/>
-          </a:p>
-        </p:txBody>
-      </p:sp>
-      <p:sp>
-        <p:nvSpPr>
           <p:cNvPr id="47" name="右矢印 46">
             <a:extLst>
               <a:ext uri="{FF2B5EF4-FFF2-40B4-BE49-F238E27FC236}">
@@ -7728,6 +7761,42 @@
         <p:spPr>
           <a:xfrm>
             <a:off x="4125386" y="778978"/>
+            <a:ext cx="942975" cy="369332"/>
+          </a:xfrm>
+          <a:prstGeom prst="rect">
+            <a:avLst/>
+          </a:prstGeom>
+          <a:noFill/>
+        </p:spPr>
+        <p:txBody>
+          <a:bodyPr wrap="square" rtlCol="0">
+            <a:spAutoFit/>
+          </a:bodyPr>
+          <a:lstStyle/>
+          <a:p>
+            <a:pPr algn="ctr"/>
+            <a:r>
+              <a:rPr kumimoji="1" lang="ja-JP" altLang="en-US" dirty="0"/>
+              <a:t>辞退</a:t>
+            </a:r>
+          </a:p>
+        </p:txBody>
+      </p:sp>
+      <p:sp>
+        <p:nvSpPr>
+          <p:cNvPr id="40" name="テキスト ボックス 39">
+            <a:extLst>
+              <a:ext uri="{FF2B5EF4-FFF2-40B4-BE49-F238E27FC236}">
+                <a16:creationId xmlns:a16="http://schemas.microsoft.com/office/drawing/2014/main" id="{54C71416-3CD0-344A-A2D9-1BBFF94991E4}"/>
+              </a:ext>
+            </a:extLst>
+          </p:cNvPr>
+          <p:cNvSpPr txBox="1"/>
+          <p:nvPr/>
+        </p:nvSpPr>
+        <p:spPr>
+          <a:xfrm>
+            <a:off x="7071959" y="2534632"/>
             <a:ext cx="942975" cy="369332"/>
           </a:xfrm>
           <a:prstGeom prst="rect">

--- a/20180718_就活まとめ/プレゼンテーション1.pptx
+++ b/20180718_就活まとめ/プレゼンテーション1.pptx
@@ -7761,42 +7761,6 @@
         <p:spPr>
           <a:xfrm>
             <a:off x="4125386" y="778978"/>
-            <a:ext cx="942975" cy="369332"/>
-          </a:xfrm>
-          <a:prstGeom prst="rect">
-            <a:avLst/>
-          </a:prstGeom>
-          <a:noFill/>
-        </p:spPr>
-        <p:txBody>
-          <a:bodyPr wrap="square" rtlCol="0">
-            <a:spAutoFit/>
-          </a:bodyPr>
-          <a:lstStyle/>
-          <a:p>
-            <a:pPr algn="ctr"/>
-            <a:r>
-              <a:rPr kumimoji="1" lang="ja-JP" altLang="en-US" dirty="0"/>
-              <a:t>辞退</a:t>
-            </a:r>
-          </a:p>
-        </p:txBody>
-      </p:sp>
-      <p:sp>
-        <p:nvSpPr>
-          <p:cNvPr id="40" name="テキスト ボックス 39">
-            <a:extLst>
-              <a:ext uri="{FF2B5EF4-FFF2-40B4-BE49-F238E27FC236}">
-                <a16:creationId xmlns:a16="http://schemas.microsoft.com/office/drawing/2014/main" id="{54C71416-3CD0-344A-A2D9-1BBFF94991E4}"/>
-              </a:ext>
-            </a:extLst>
-          </p:cNvPr>
-          <p:cNvSpPr txBox="1"/>
-          <p:nvPr/>
-        </p:nvSpPr>
-        <p:spPr>
-          <a:xfrm>
-            <a:off x="7071959" y="2534632"/>
             <a:ext cx="942975" cy="369332"/>
           </a:xfrm>
           <a:prstGeom prst="rect">
